--- a/chipgallery/网站芯片模板.pptx
+++ b/chipgallery/网站芯片模板.pptx
@@ -2547,13 +2547,13 @@
           <p:nvPr>
             <p:extLst>
               <p:ext uri="{D42A27DB-BD31-4B8C-83A1-F6EECF244321}">
-                <p14:modId xmlns:p14="http://schemas.microsoft.com/office/powerpoint/2010/main" val="3413997548"/>
+                <p14:modId xmlns:p14="http://schemas.microsoft.com/office/powerpoint/2010/main" val="302504076"/>
               </p:ext>
             </p:extLst>
           </p:nvPr>
         </p:nvGraphicFramePr>
         <p:xfrm>
-          <a:off x="395536" y="1340768"/>
+          <a:off x="539552" y="548680"/>
           <a:ext cx="7416823" cy="2537440"/>
         </p:xfrm>
         <a:graphic>
@@ -4174,7 +4174,7 @@
         </p:blipFill>
         <p:spPr bwMode="auto">
           <a:xfrm>
-            <a:off x="6205135" y="1648470"/>
+            <a:off x="6349151" y="856382"/>
             <a:ext cx="1152128" cy="1124649"/>
           </a:xfrm>
           <a:prstGeom prst="rect">
@@ -4234,7 +4234,7 @@
         </p:blipFill>
         <p:spPr bwMode="auto">
           <a:xfrm>
-            <a:off x="2342273" y="1685569"/>
+            <a:off x="2486289" y="893481"/>
             <a:ext cx="1047264" cy="1097133"/>
           </a:xfrm>
           <a:prstGeom prst="rect">
@@ -4294,7 +4294,7 @@
         </p:blipFill>
         <p:spPr bwMode="auto">
           <a:xfrm>
-            <a:off x="4250888" y="1698186"/>
+            <a:off x="4394904" y="906098"/>
             <a:ext cx="1165856" cy="1071898"/>
           </a:xfrm>
           <a:prstGeom prst="rect">
@@ -4323,6 +4323,36 @@
               </a14:hiddenLine>
             </a:ext>
           </a:extLst>
+        </p:spPr>
+      </p:pic>
+      <p:pic>
+        <p:nvPicPr>
+          <p:cNvPr id="13" name="图片 12">
+            <a:extLst>
+              <a:ext uri="{FF2B5EF4-FFF2-40B4-BE49-F238E27FC236}">
+                <a16:creationId xmlns:a16="http://schemas.microsoft.com/office/drawing/2014/main" id="{DCD76FD1-607D-45EC-8CF7-8FDA18B436C5}"/>
+              </a:ext>
+            </a:extLst>
+          </p:cNvPr>
+          <p:cNvPicPr>
+            <a:picLocks noChangeAspect="1"/>
+          </p:cNvPicPr>
+          <p:nvPr/>
+        </p:nvPicPr>
+        <p:blipFill>
+          <a:blip r:embed="rId5"/>
+          <a:stretch>
+            <a:fillRect/>
+          </a:stretch>
+        </p:blipFill>
+        <p:spPr>
+          <a:xfrm>
+            <a:off x="539552" y="3381876"/>
+            <a:ext cx="7431668" cy="2597121"/>
+          </a:xfrm>
+          <a:prstGeom prst="rect">
+            <a:avLst/>
+          </a:prstGeom>
         </p:spPr>
       </p:pic>
     </p:spTree>
@@ -4370,13 +4400,13 @@
           <p:nvPr>
             <p:extLst>
               <p:ext uri="{D42A27DB-BD31-4B8C-83A1-F6EECF244321}">
-                <p14:modId xmlns:p14="http://schemas.microsoft.com/office/powerpoint/2010/main" val="4228424999"/>
+                <p14:modId xmlns:p14="http://schemas.microsoft.com/office/powerpoint/2010/main" val="3556209621"/>
               </p:ext>
             </p:extLst>
           </p:nvPr>
         </p:nvGraphicFramePr>
         <p:xfrm>
-          <a:off x="395536" y="1340768"/>
+          <a:off x="899592" y="692696"/>
           <a:ext cx="5424602" cy="2537440"/>
         </p:xfrm>
         <a:graphic>
@@ -5580,7 +5610,7 @@
         </p:blipFill>
         <p:spPr>
           <a:xfrm>
-            <a:off x="4067945" y="1700808"/>
+            <a:off x="4572001" y="1052736"/>
             <a:ext cx="1524462" cy="1008112"/>
           </a:xfrm>
           <a:prstGeom prst="rect">
@@ -5614,8 +5644,38 @@
         </p:blipFill>
         <p:spPr>
           <a:xfrm>
-            <a:off x="2195737" y="1681520"/>
+            <a:off x="2699793" y="1033448"/>
             <a:ext cx="1151984" cy="1071476"/>
+          </a:xfrm>
+          <a:prstGeom prst="rect">
+            <a:avLst/>
+          </a:prstGeom>
+        </p:spPr>
+      </p:pic>
+      <p:pic>
+        <p:nvPicPr>
+          <p:cNvPr id="11" name="图片 10">
+            <a:extLst>
+              <a:ext uri="{FF2B5EF4-FFF2-40B4-BE49-F238E27FC236}">
+                <a16:creationId xmlns:a16="http://schemas.microsoft.com/office/drawing/2014/main" id="{CF8AF5ED-2DF1-45EF-BDE9-91380183FC91}"/>
+              </a:ext>
+            </a:extLst>
+          </p:cNvPr>
+          <p:cNvPicPr>
+            <a:picLocks noChangeAspect="1"/>
+          </p:cNvPicPr>
+          <p:nvPr/>
+        </p:nvPicPr>
+        <p:blipFill>
+          <a:blip r:embed="rId5"/>
+          <a:stretch>
+            <a:fillRect/>
+          </a:stretch>
+        </p:blipFill>
+        <p:spPr>
+          <a:xfrm>
+            <a:off x="899592" y="3570888"/>
+            <a:ext cx="5438103" cy="2597121"/>
           </a:xfrm>
           <a:prstGeom prst="rect">
             <a:avLst/>
@@ -5667,13 +5727,13 @@
           <p:nvPr>
             <p:extLst>
               <p:ext uri="{D42A27DB-BD31-4B8C-83A1-F6EECF244321}">
-                <p14:modId xmlns:p14="http://schemas.microsoft.com/office/powerpoint/2010/main" val="3945855983"/>
+                <p14:modId xmlns:p14="http://schemas.microsoft.com/office/powerpoint/2010/main" val="4139256274"/>
               </p:ext>
             </p:extLst>
           </p:nvPr>
         </p:nvGraphicFramePr>
         <p:xfrm>
-          <a:off x="395536" y="1340768"/>
+          <a:off x="395536" y="548680"/>
           <a:ext cx="7416823" cy="2537440"/>
         </p:xfrm>
         <a:graphic>
@@ -7224,7 +7284,7 @@
         </p:blipFill>
         <p:spPr>
           <a:xfrm rot="5400000">
-            <a:off x="2422027" y="1384754"/>
+            <a:off x="2422027" y="592666"/>
             <a:ext cx="874974" cy="1615588"/>
           </a:xfrm>
           <a:prstGeom prst="rect">
@@ -7258,7 +7318,7 @@
         </p:blipFill>
         <p:spPr>
           <a:xfrm>
-            <a:off x="4342502" y="1675409"/>
+            <a:off x="4342502" y="883321"/>
             <a:ext cx="1060504" cy="1067792"/>
           </a:xfrm>
           <a:prstGeom prst="rect">
@@ -7292,8 +7352,38 @@
         </p:blipFill>
         <p:spPr>
           <a:xfrm>
-            <a:off x="6078200" y="1755061"/>
+            <a:off x="6078200" y="962973"/>
             <a:ext cx="1568861" cy="957659"/>
+          </a:xfrm>
+          <a:prstGeom prst="rect">
+            <a:avLst/>
+          </a:prstGeom>
+        </p:spPr>
+      </p:pic>
+      <p:pic>
+        <p:nvPicPr>
+          <p:cNvPr id="2" name="图片 1">
+            <a:extLst>
+              <a:ext uri="{FF2B5EF4-FFF2-40B4-BE49-F238E27FC236}">
+                <a16:creationId xmlns:a16="http://schemas.microsoft.com/office/drawing/2014/main" id="{F8D5A535-943D-4269-B5EF-06C20158B14F}"/>
+              </a:ext>
+            </a:extLst>
+          </p:cNvPr>
+          <p:cNvPicPr>
+            <a:picLocks noChangeAspect="1"/>
+          </p:cNvPicPr>
+          <p:nvPr/>
+        </p:nvPicPr>
+        <p:blipFill>
+          <a:blip r:embed="rId8"/>
+          <a:stretch>
+            <a:fillRect/>
+          </a:stretch>
+        </p:blipFill>
+        <p:spPr>
+          <a:xfrm>
+            <a:off x="398575" y="3284984"/>
+            <a:ext cx="7431668" cy="2597121"/>
           </a:xfrm>
           <a:prstGeom prst="rect">
             <a:avLst/>
@@ -7345,13 +7435,13 @@
           <p:nvPr>
             <p:extLst>
               <p:ext uri="{D42A27DB-BD31-4B8C-83A1-F6EECF244321}">
-                <p14:modId xmlns:p14="http://schemas.microsoft.com/office/powerpoint/2010/main" val="1764475702"/>
+                <p14:modId xmlns:p14="http://schemas.microsoft.com/office/powerpoint/2010/main" val="2275537860"/>
               </p:ext>
             </p:extLst>
           </p:nvPr>
         </p:nvGraphicFramePr>
         <p:xfrm>
-          <a:off x="395536" y="1340768"/>
+          <a:off x="395536" y="548680"/>
           <a:ext cx="5424602" cy="2537440"/>
         </p:xfrm>
         <a:graphic>
@@ -8528,7 +8618,7 @@
         </p:blipFill>
         <p:spPr>
           <a:xfrm>
-            <a:off x="2267744" y="1700808"/>
+            <a:off x="2267744" y="908720"/>
             <a:ext cx="1118994" cy="1070967"/>
           </a:xfrm>
           <a:prstGeom prst="rect">
@@ -8564,8 +8654,38 @@
         </p:blipFill>
         <p:spPr>
           <a:xfrm>
-            <a:off x="3979935" y="1862434"/>
+            <a:off x="3979935" y="1070346"/>
             <a:ext cx="1810269" cy="732950"/>
+          </a:xfrm>
+          <a:prstGeom prst="rect">
+            <a:avLst/>
+          </a:prstGeom>
+        </p:spPr>
+      </p:pic>
+      <p:pic>
+        <p:nvPicPr>
+          <p:cNvPr id="2" name="图片 1">
+            <a:extLst>
+              <a:ext uri="{FF2B5EF4-FFF2-40B4-BE49-F238E27FC236}">
+                <a16:creationId xmlns:a16="http://schemas.microsoft.com/office/drawing/2014/main" id="{A04950CD-E295-40A6-ABAF-7B3807418DA4}"/>
+              </a:ext>
+            </a:extLst>
+          </p:cNvPr>
+          <p:cNvPicPr>
+            <a:picLocks noChangeAspect="1"/>
+          </p:cNvPicPr>
+          <p:nvPr/>
+        </p:nvPicPr>
+        <p:blipFill>
+          <a:blip r:embed="rId5"/>
+          <a:stretch>
+            <a:fillRect/>
+          </a:stretch>
+        </p:blipFill>
+        <p:spPr>
+          <a:xfrm>
+            <a:off x="390295" y="3339996"/>
+            <a:ext cx="5438103" cy="2597121"/>
           </a:xfrm>
           <a:prstGeom prst="rect">
             <a:avLst/>
@@ -8617,13 +8737,13 @@
           <p:nvPr>
             <p:extLst>
               <p:ext uri="{D42A27DB-BD31-4B8C-83A1-F6EECF244321}">
-                <p14:modId xmlns:p14="http://schemas.microsoft.com/office/powerpoint/2010/main" val="3647037323"/>
+                <p14:modId xmlns:p14="http://schemas.microsoft.com/office/powerpoint/2010/main" val="1824513567"/>
               </p:ext>
             </p:extLst>
           </p:nvPr>
         </p:nvGraphicFramePr>
         <p:xfrm>
-          <a:off x="395536" y="1340768"/>
+          <a:off x="755576" y="620688"/>
           <a:ext cx="7416823" cy="2537440"/>
         </p:xfrm>
         <a:graphic>
@@ -10163,7 +10283,7 @@
         </p:blipFill>
         <p:spPr>
           <a:xfrm>
-            <a:off x="2026603" y="1662561"/>
+            <a:off x="2386643" y="942481"/>
             <a:ext cx="1480404" cy="1139658"/>
           </a:xfrm>
           <a:prstGeom prst="rect">
@@ -10199,7 +10319,7 @@
         </p:blipFill>
         <p:spPr>
           <a:xfrm>
-            <a:off x="4186560" y="1709275"/>
+            <a:off x="4546600" y="989195"/>
             <a:ext cx="1209008" cy="1000253"/>
           </a:xfrm>
           <a:prstGeom prst="rect">
@@ -10244,8 +10364,38 @@
         </p:blipFill>
         <p:spPr>
           <a:xfrm>
-            <a:off x="5914751" y="1823616"/>
+            <a:off x="6274791" y="1103536"/>
             <a:ext cx="1879833" cy="703684"/>
+          </a:xfrm>
+          <a:prstGeom prst="rect">
+            <a:avLst/>
+          </a:prstGeom>
+        </p:spPr>
+      </p:pic>
+      <p:pic>
+        <p:nvPicPr>
+          <p:cNvPr id="16" name="图片 15">
+            <a:extLst>
+              <a:ext uri="{FF2B5EF4-FFF2-40B4-BE49-F238E27FC236}">
+                <a16:creationId xmlns:a16="http://schemas.microsoft.com/office/drawing/2014/main" id="{011BF174-E3FB-4AC8-B028-98E8FDB22FA6}"/>
+              </a:ext>
+            </a:extLst>
+          </p:cNvPr>
+          <p:cNvPicPr>
+            <a:picLocks noChangeAspect="1"/>
+          </p:cNvPicPr>
+          <p:nvPr/>
+        </p:nvPicPr>
+        <p:blipFill>
+          <a:blip r:embed="rId6"/>
+          <a:stretch>
+            <a:fillRect/>
+          </a:stretch>
+        </p:blipFill>
+        <p:spPr>
+          <a:xfrm>
+            <a:off x="755576" y="3479921"/>
+            <a:ext cx="7431668" cy="2597121"/>
           </a:xfrm>
           <a:prstGeom prst="rect">
             <a:avLst/>

--- a/chipgallery/网站芯片模板.pptx
+++ b/chipgallery/网站芯片模板.pptx
@@ -246,7 +246,7 @@
             <a:fld id="{046C4654-9B54-4388-9789-78668844D9AF}" type="datetimeFigureOut">
               <a:rPr lang="zh-CN" altLang="en-US" smtClean="0"/>
               <a:pPr/>
-              <a:t>2023/12/27</a:t>
+              <a:t>2023/12/29</a:t>
             </a:fld>
             <a:endParaRPr lang="zh-CN" altLang="en-US"/>
           </a:p>
@@ -413,7 +413,7 @@
             <a:fld id="{3108125A-CF0B-4788-AF7E-FCD27F359AF3}" type="datetimeFigureOut">
               <a:rPr lang="en-US" smtClean="0"/>
               <a:pPr/>
-              <a:t>12/27/2023</a:t>
+              <a:t>12/29/2023</a:t>
             </a:fld>
             <a:endParaRPr lang="en-US"/>
           </a:p>
@@ -4400,7 +4400,7 @@
           <p:nvPr>
             <p:extLst>
               <p:ext uri="{D42A27DB-BD31-4B8C-83A1-F6EECF244321}">
-                <p14:modId xmlns:p14="http://schemas.microsoft.com/office/powerpoint/2010/main" val="3556209621"/>
+                <p14:modId xmlns:p14="http://schemas.microsoft.com/office/powerpoint/2010/main" val="4099773705"/>
               </p:ext>
             </p:extLst>
           </p:nvPr>
@@ -5155,7 +5155,7 @@
                             <a:schemeClr val="tx1"/>
                           </a:solidFill>
                         </a:rPr>
-                        <a:t>2 </a:t>
+                        <a:t>2.4 </a:t>
                       </a:r>
                       <a:r>
                         <a:rPr lang="en-US" altLang="zh-CN" sz="1200" b="1" dirty="0" err="1">
@@ -5280,7 +5280,7 @@
                             <a:schemeClr val="tx1"/>
                           </a:solidFill>
                         </a:rPr>
-                        <a:t>6.8mW (only for RX)</a:t>
+                        <a:t>6.8mW (RX only)</a:t>
                       </a:r>
                       <a:endParaRPr lang="zh-CN" altLang="en-US" sz="1200" b="1" dirty="0">
                         <a:solidFill>

--- a/chipgallery/网站芯片模板.pptx
+++ b/chipgallery/网站芯片模板.pptx
@@ -4400,7 +4400,7 @@
           <p:nvPr>
             <p:extLst>
               <p:ext uri="{D42A27DB-BD31-4B8C-83A1-F6EECF244321}">
-                <p14:modId xmlns:p14="http://schemas.microsoft.com/office/powerpoint/2010/main" val="4099773705"/>
+                <p14:modId xmlns:p14="http://schemas.microsoft.com/office/powerpoint/2010/main" val="573789956"/>
               </p:ext>
             </p:extLst>
           </p:nvPr>
@@ -5090,7 +5090,7 @@
                             <a:schemeClr val="tx1"/>
                           </a:solidFill>
                         </a:rPr>
-                        <a:t>2.7 </a:t>
+                        <a:t>8.5 </a:t>
                       </a:r>
                       <a:r>
                         <a:rPr lang="en-US" altLang="zh-CN" sz="1200" b="1" dirty="0" err="1">
@@ -5654,10 +5654,10 @@
       </p:pic>
       <p:pic>
         <p:nvPicPr>
-          <p:cNvPr id="11" name="图片 10">
+          <p:cNvPr id="3" name="图片 2">
             <a:extLst>
               <a:ext uri="{FF2B5EF4-FFF2-40B4-BE49-F238E27FC236}">
-                <a16:creationId xmlns:a16="http://schemas.microsoft.com/office/drawing/2014/main" id="{CF8AF5ED-2DF1-45EF-BDE9-91380183FC91}"/>
+                <a16:creationId xmlns:a16="http://schemas.microsoft.com/office/drawing/2014/main" id="{AED3D21C-2750-422B-A69D-89F2E0C4C1BC}"/>
               </a:ext>
             </a:extLst>
           </p:cNvPr>
@@ -5674,7 +5674,7 @@
         </p:blipFill>
         <p:spPr>
           <a:xfrm>
-            <a:off x="899592" y="3570888"/>
+            <a:off x="899592" y="3441452"/>
             <a:ext cx="5438103" cy="2597121"/>
           </a:xfrm>
           <a:prstGeom prst="rect">

--- a/chipgallery/网站芯片模板.pptx
+++ b/chipgallery/网站芯片模板.pptx
@@ -246,7 +246,7 @@
             <a:fld id="{046C4654-9B54-4388-9789-78668844D9AF}" type="datetimeFigureOut">
               <a:rPr lang="zh-CN" altLang="en-US" smtClean="0"/>
               <a:pPr/>
-              <a:t>2023/12/29</a:t>
+              <a:t>2024/6/5</a:t>
             </a:fld>
             <a:endParaRPr lang="zh-CN" altLang="en-US"/>
           </a:p>
@@ -413,7 +413,7 @@
             <a:fld id="{3108125A-CF0B-4788-AF7E-FCD27F359AF3}" type="datetimeFigureOut">
               <a:rPr lang="en-US" smtClean="0"/>
               <a:pPr/>
-              <a:t>12/29/2023</a:t>
+              <a:t>6/5/2024</a:t>
             </a:fld>
             <a:endParaRPr lang="en-US"/>
           </a:p>
@@ -7435,7 +7435,7 @@
           <p:nvPr>
             <p:extLst>
               <p:ext uri="{D42A27DB-BD31-4B8C-83A1-F6EECF244321}">
-                <p14:modId xmlns:p14="http://schemas.microsoft.com/office/powerpoint/2010/main" val="2275537860"/>
+                <p14:modId xmlns:p14="http://schemas.microsoft.com/office/powerpoint/2010/main" val="2050579778"/>
               </p:ext>
             </p:extLst>
           </p:nvPr>
@@ -8534,7 +8534,23 @@
                             <a:schemeClr val="tx1"/>
                           </a:solidFill>
                         </a:rPr>
-                        <a:t>ASSCC’23 (Highlighted)</a:t>
+                        <a:t>ASSCC’23,</a:t>
+                      </a:r>
+                      <a:r>
+                        <a:rPr lang="zh-CN" altLang="en-US" sz="1200" b="1" dirty="0">
+                          <a:solidFill>
+                            <a:schemeClr val="tx1"/>
+                          </a:solidFill>
+                        </a:rPr>
+                        <a:t> </a:t>
+                      </a:r>
+                      <a:r>
+                        <a:rPr lang="en-US" altLang="zh-CN" sz="1200" b="1" dirty="0">
+                          <a:solidFill>
+                            <a:schemeClr val="tx1"/>
+                          </a:solidFill>
+                        </a:rPr>
+                        <a:t>JSSC’24</a:t>
                       </a:r>
                       <a:endParaRPr lang="zh-CN" altLang="en-US" sz="1200" b="1" dirty="0">
                         <a:solidFill>
@@ -8664,10 +8680,10 @@
       </p:pic>
       <p:pic>
         <p:nvPicPr>
-          <p:cNvPr id="2" name="图片 1">
+          <p:cNvPr id="5" name="图片 4">
             <a:extLst>
               <a:ext uri="{FF2B5EF4-FFF2-40B4-BE49-F238E27FC236}">
-                <a16:creationId xmlns:a16="http://schemas.microsoft.com/office/drawing/2014/main" id="{A04950CD-E295-40A6-ABAF-7B3807418DA4}"/>
+                <a16:creationId xmlns:a16="http://schemas.microsoft.com/office/drawing/2014/main" id="{77F3433A-AE70-4159-AD1A-795B07BB8297}"/>
               </a:ext>
             </a:extLst>
           </p:cNvPr>
@@ -8684,7 +8700,7 @@
         </p:blipFill>
         <p:spPr>
           <a:xfrm>
-            <a:off x="390295" y="3339996"/>
+            <a:off x="395536" y="3339995"/>
             <a:ext cx="5438103" cy="2597121"/>
           </a:xfrm>
           <a:prstGeom prst="rect">

--- a/chipgallery/网站芯片模板.pptx
+++ b/chipgallery/网站芯片模板.pptx
@@ -5,10 +5,10 @@
     <p:sldMasterId id="2147483648" r:id="rId1"/>
   </p:sldMasterIdLst>
   <p:notesMasterIdLst>
-    <p:notesMasterId r:id="rId7"/>
+    <p:notesMasterId r:id="rId8"/>
   </p:notesMasterIdLst>
   <p:handoutMasterIdLst>
-    <p:handoutMasterId r:id="rId8"/>
+    <p:handoutMasterId r:id="rId9"/>
   </p:handoutMasterIdLst>
   <p:sldIdLst>
     <p:sldId id="780" r:id="rId2"/>
@@ -16,6 +16,7 @@
     <p:sldId id="782" r:id="rId4"/>
     <p:sldId id="783" r:id="rId5"/>
     <p:sldId id="784" r:id="rId6"/>
+    <p:sldId id="785" r:id="rId7"/>
   </p:sldIdLst>
   <p:sldSz cx="9144000" cy="6858000" type="letter"/>
   <p:notesSz cx="9926638" cy="6797675"/>
@@ -246,7 +247,7 @@
             <a:fld id="{046C4654-9B54-4388-9789-78668844D9AF}" type="datetimeFigureOut">
               <a:rPr lang="zh-CN" altLang="en-US" smtClean="0"/>
               <a:pPr/>
-              <a:t>2024/6/5</a:t>
+              <a:t>2024/8/13</a:t>
             </a:fld>
             <a:endParaRPr lang="zh-CN" altLang="en-US"/>
           </a:p>
@@ -413,7 +414,7 @@
             <a:fld id="{3108125A-CF0B-4788-AF7E-FCD27F359AF3}" type="datetimeFigureOut">
               <a:rPr lang="en-US" smtClean="0"/>
               <a:pPr/>
-              <a:t>6/5/2024</a:t>
+              <a:t>8/13/2024</a:t>
             </a:fld>
             <a:endParaRPr lang="en-US"/>
           </a:p>
@@ -10431,6 +10432,1716 @@
 </p:sld>
 </file>
 
+<file path=ppt/slides/slide6.xml><?xml version="1.0" encoding="utf-8"?>
+<p:sld xmlns:a="http://schemas.openxmlformats.org/drawingml/2006/main" xmlns:r="http://schemas.openxmlformats.org/officeDocument/2006/relationships" xmlns:p="http://schemas.openxmlformats.org/presentationml/2006/main">
+  <p:cSld>
+    <p:spTree>
+      <p:nvGrpSpPr>
+        <p:cNvPr id="1" name=""/>
+        <p:cNvGrpSpPr/>
+        <p:nvPr/>
+      </p:nvGrpSpPr>
+      <p:grpSpPr>
+        <a:xfrm>
+          <a:off x="0" y="0"/>
+          <a:ext cx="0" cy="0"/>
+          <a:chOff x="0" y="0"/>
+          <a:chExt cx="0" cy="0"/>
+        </a:xfrm>
+      </p:grpSpPr>
+      <p:graphicFrame>
+        <p:nvGraphicFramePr>
+          <p:cNvPr id="4" name="表格 5">
+            <a:extLst>
+              <a:ext uri="{FF2B5EF4-FFF2-40B4-BE49-F238E27FC236}">
+                <a16:creationId xmlns:a16="http://schemas.microsoft.com/office/drawing/2014/main" id="{5C776CC1-743C-418B-99B8-F912A203B757}"/>
+              </a:ext>
+            </a:extLst>
+          </p:cNvPr>
+          <p:cNvGraphicFramePr>
+            <a:graphicFrameLocks noGrp="1"/>
+          </p:cNvGraphicFramePr>
+          <p:nvPr>
+            <p:extLst>
+              <p:ext uri="{D42A27DB-BD31-4B8C-83A1-F6EECF244321}">
+                <p14:modId xmlns:p14="http://schemas.microsoft.com/office/powerpoint/2010/main" val="1597547910"/>
+              </p:ext>
+            </p:extLst>
+          </p:nvPr>
+        </p:nvGraphicFramePr>
+        <p:xfrm>
+          <a:off x="755576" y="620688"/>
+          <a:ext cx="7416823" cy="2537440"/>
+        </p:xfrm>
+        <a:graphic>
+          <a:graphicData uri="http://schemas.openxmlformats.org/drawingml/2006/table">
+            <a:tbl>
+              <a:tblPr firstRow="1" bandRow="1">
+                <a:tableStyleId>{5C22544A-7EE6-4342-B048-85BDC9FD1C3A}</a:tableStyleId>
+              </a:tblPr>
+              <a:tblGrid>
+                <a:gridCol w="1440160">
+                  <a:extLst>
+                    <a:ext uri="{9D8B030D-6E8A-4147-A177-3AD203B41FA5}">
+                      <a16:colId xmlns:a16="http://schemas.microsoft.com/office/drawing/2014/main" val="2023616017"/>
+                    </a:ext>
+                  </a:extLst>
+                </a:gridCol>
+                <a:gridCol w="1992221">
+                  <a:extLst>
+                    <a:ext uri="{9D8B030D-6E8A-4147-A177-3AD203B41FA5}">
+                      <a16:colId xmlns:a16="http://schemas.microsoft.com/office/drawing/2014/main" val="900979860"/>
+                    </a:ext>
+                  </a:extLst>
+                </a:gridCol>
+                <a:gridCol w="1992221">
+                  <a:extLst>
+                    <a:ext uri="{9D8B030D-6E8A-4147-A177-3AD203B41FA5}">
+                      <a16:colId xmlns:a16="http://schemas.microsoft.com/office/drawing/2014/main" val="369598400"/>
+                    </a:ext>
+                  </a:extLst>
+                </a:gridCol>
+                <a:gridCol w="1992221">
+                  <a:extLst>
+                    <a:ext uri="{9D8B030D-6E8A-4147-A177-3AD203B41FA5}">
+                      <a16:colId xmlns:a16="http://schemas.microsoft.com/office/drawing/2014/main" val="3461255433"/>
+                    </a:ext>
+                  </a:extLst>
+                </a:gridCol>
+              </a:tblGrid>
+              <a:tr h="242807">
+                <a:tc>
+                  <a:txBody>
+                    <a:bodyPr/>
+                    <a:lstStyle/>
+                    <a:p>
+                      <a:pPr algn="ctr"/>
+                      <a:r>
+                        <a:rPr lang="en-US" altLang="zh-CN" sz="1200" b="1" dirty="0">
+                          <a:solidFill>
+                            <a:schemeClr val="tx1"/>
+                          </a:solidFill>
+                        </a:rPr>
+                        <a:t>Name</a:t>
+                      </a:r>
+                      <a:endParaRPr lang="zh-CN" altLang="en-US" sz="1200" b="1" dirty="0">
+                        <a:solidFill>
+                          <a:schemeClr val="tx1"/>
+                        </a:solidFill>
+                      </a:endParaRPr>
+                    </a:p>
+                  </a:txBody>
+                  <a:tcPr anchor="ctr">
+                    <a:lnL w="12700" cmpd="sng">
+                      <a:noFill/>
+                    </a:lnL>
+                    <a:lnR w="12700" cap="flat" cmpd="sng" algn="ctr">
+                      <a:solidFill>
+                        <a:schemeClr val="tx1"/>
+                      </a:solidFill>
+                      <a:prstDash val="solid"/>
+                      <a:round/>
+                      <a:headEnd type="none" w="med" len="med"/>
+                      <a:tailEnd type="none" w="med" len="med"/>
+                    </a:lnR>
+                    <a:lnT w="12700" cap="flat" cmpd="sng" algn="ctr">
+                      <a:solidFill>
+                        <a:schemeClr val="tx1"/>
+                      </a:solidFill>
+                      <a:prstDash val="solid"/>
+                      <a:round/>
+                      <a:headEnd type="none" w="med" len="med"/>
+                      <a:tailEnd type="none" w="med" len="med"/>
+                    </a:lnT>
+                    <a:lnB w="12700" cap="flat" cmpd="sng" algn="ctr">
+                      <a:solidFill>
+                        <a:schemeClr val="tx1"/>
+                      </a:solidFill>
+                      <a:prstDash val="solid"/>
+                      <a:round/>
+                      <a:headEnd type="none" w="med" len="med"/>
+                      <a:tailEnd type="none" w="med" len="med"/>
+                    </a:lnB>
+                    <a:lnTlToBr w="12700" cmpd="sng">
+                      <a:noFill/>
+                      <a:prstDash val="solid"/>
+                    </a:lnTlToBr>
+                    <a:lnBlToTr w="12700" cmpd="sng">
+                      <a:noFill/>
+                      <a:prstDash val="solid"/>
+                    </a:lnBlToTr>
+                    <a:solidFill>
+                      <a:schemeClr val="bg1">
+                        <a:lumMod val="95000"/>
+                      </a:schemeClr>
+                    </a:solidFill>
+                  </a:tcPr>
+                </a:tc>
+                <a:tc>
+                  <a:txBody>
+                    <a:bodyPr/>
+                    <a:lstStyle/>
+                    <a:p>
+                      <a:pPr algn="ctr"/>
+                      <a:r>
+                        <a:rPr lang="en-US" altLang="zh-CN" sz="1200" b="1" dirty="0">
+                          <a:solidFill>
+                            <a:schemeClr val="tx1"/>
+                          </a:solidFill>
+                        </a:rPr>
+                        <a:t>FLEX-ADC</a:t>
+                      </a:r>
+                      <a:endParaRPr lang="zh-CN" altLang="en-US" sz="1200" b="1" dirty="0">
+                        <a:solidFill>
+                          <a:schemeClr val="tx1"/>
+                        </a:solidFill>
+                      </a:endParaRPr>
+                    </a:p>
+                  </a:txBody>
+                  <a:tcPr anchor="ctr">
+                    <a:lnL w="12700" cap="flat" cmpd="sng" algn="ctr">
+                      <a:solidFill>
+                        <a:schemeClr val="tx1"/>
+                      </a:solidFill>
+                      <a:prstDash val="solid"/>
+                      <a:round/>
+                      <a:headEnd type="none" w="med" len="med"/>
+                      <a:tailEnd type="none" w="med" len="med"/>
+                    </a:lnL>
+                    <a:lnR w="12700" cap="flat" cmpd="sng" algn="ctr">
+                      <a:solidFill>
+                        <a:schemeClr val="tx1"/>
+                      </a:solidFill>
+                      <a:prstDash val="solid"/>
+                      <a:round/>
+                      <a:headEnd type="none" w="med" len="med"/>
+                      <a:tailEnd type="none" w="med" len="med"/>
+                    </a:lnR>
+                    <a:lnT w="12700" cap="flat" cmpd="sng" algn="ctr">
+                      <a:solidFill>
+                        <a:schemeClr val="tx1"/>
+                      </a:solidFill>
+                      <a:prstDash val="solid"/>
+                      <a:round/>
+                      <a:headEnd type="none" w="med" len="med"/>
+                      <a:tailEnd type="none" w="med" len="med"/>
+                    </a:lnT>
+                    <a:lnB w="12700" cap="flat" cmpd="sng" algn="ctr">
+                      <a:solidFill>
+                        <a:schemeClr val="tx1"/>
+                      </a:solidFill>
+                      <a:prstDash val="solid"/>
+                      <a:round/>
+                      <a:headEnd type="none" w="med" len="med"/>
+                      <a:tailEnd type="none" w="med" len="med"/>
+                    </a:lnB>
+                    <a:lnTlToBr w="12700" cmpd="sng">
+                      <a:noFill/>
+                      <a:prstDash val="solid"/>
+                    </a:lnTlToBr>
+                    <a:lnBlToTr w="12700" cmpd="sng">
+                      <a:noFill/>
+                      <a:prstDash val="solid"/>
+                    </a:lnBlToTr>
+                    <a:noFill/>
+                  </a:tcPr>
+                </a:tc>
+                <a:tc>
+                  <a:txBody>
+                    <a:bodyPr/>
+                    <a:lstStyle/>
+                    <a:p>
+                      <a:pPr algn="ctr"/>
+                      <a:r>
+                        <a:rPr lang="en-US" altLang="zh-CN" sz="1200" b="1" dirty="0">
+                          <a:solidFill>
+                            <a:schemeClr val="tx1"/>
+                          </a:solidFill>
+                        </a:rPr>
+                        <a:t>FLEX-</a:t>
+                      </a:r>
+                      <a:r>
+                        <a:rPr lang="en-US" altLang="zh-CN" sz="1200" b="1" dirty="0" err="1">
+                          <a:solidFill>
+                            <a:schemeClr val="tx1"/>
+                          </a:solidFill>
+                        </a:rPr>
+                        <a:t>BioArray</a:t>
+                      </a:r>
+                      <a:endParaRPr lang="zh-CN" altLang="en-US" sz="1200" b="1" dirty="0">
+                        <a:solidFill>
+                          <a:schemeClr val="tx1"/>
+                        </a:solidFill>
+                      </a:endParaRPr>
+                    </a:p>
+                  </a:txBody>
+                  <a:tcPr anchor="ctr">
+                    <a:lnL w="12700" cap="flat" cmpd="sng" algn="ctr">
+                      <a:solidFill>
+                        <a:schemeClr val="tx1"/>
+                      </a:solidFill>
+                      <a:prstDash val="solid"/>
+                      <a:round/>
+                      <a:headEnd type="none" w="med" len="med"/>
+                      <a:tailEnd type="none" w="med" len="med"/>
+                    </a:lnL>
+                    <a:lnR w="12700" cap="flat" cmpd="sng" algn="ctr">
+                      <a:solidFill>
+                        <a:schemeClr val="tx1"/>
+                      </a:solidFill>
+                      <a:prstDash val="solid"/>
+                      <a:round/>
+                      <a:headEnd type="none" w="med" len="med"/>
+                      <a:tailEnd type="none" w="med" len="med"/>
+                    </a:lnR>
+                    <a:lnT w="12700" cap="flat" cmpd="sng" algn="ctr">
+                      <a:solidFill>
+                        <a:schemeClr val="tx1"/>
+                      </a:solidFill>
+                      <a:prstDash val="solid"/>
+                      <a:round/>
+                      <a:headEnd type="none" w="med" len="med"/>
+                      <a:tailEnd type="none" w="med" len="med"/>
+                    </a:lnT>
+                    <a:lnB w="12700" cap="flat" cmpd="sng" algn="ctr">
+                      <a:solidFill>
+                        <a:schemeClr val="tx1"/>
+                      </a:solidFill>
+                      <a:prstDash val="solid"/>
+                      <a:round/>
+                      <a:headEnd type="none" w="med" len="med"/>
+                      <a:tailEnd type="none" w="med" len="med"/>
+                    </a:lnB>
+                    <a:lnTlToBr w="12700" cmpd="sng">
+                      <a:noFill/>
+                      <a:prstDash val="solid"/>
+                    </a:lnTlToBr>
+                    <a:lnBlToTr w="12700" cmpd="sng">
+                      <a:noFill/>
+                      <a:prstDash val="solid"/>
+                    </a:lnBlToTr>
+                    <a:noFill/>
+                  </a:tcPr>
+                </a:tc>
+                <a:tc>
+                  <a:txBody>
+                    <a:bodyPr/>
+                    <a:lstStyle/>
+                    <a:p>
+                      <a:pPr algn="ctr"/>
+                      <a:r>
+                        <a:rPr lang="en-US" altLang="zh-CN" sz="1200" b="1" dirty="0">
+                          <a:solidFill>
+                            <a:schemeClr val="tx1"/>
+                          </a:solidFill>
+                        </a:rPr>
+                        <a:t>FLEX-PPG</a:t>
+                      </a:r>
+                      <a:endParaRPr lang="zh-CN" altLang="en-US" sz="1200" b="1" dirty="0">
+                        <a:solidFill>
+                          <a:schemeClr val="tx1"/>
+                        </a:solidFill>
+                      </a:endParaRPr>
+                    </a:p>
+                  </a:txBody>
+                  <a:tcPr anchor="ctr">
+                    <a:lnL w="12700" cap="flat" cmpd="sng" algn="ctr">
+                      <a:solidFill>
+                        <a:schemeClr val="tx1"/>
+                      </a:solidFill>
+                      <a:prstDash val="solid"/>
+                      <a:round/>
+                      <a:headEnd type="none" w="med" len="med"/>
+                      <a:tailEnd type="none" w="med" len="med"/>
+                    </a:lnL>
+                    <a:lnR w="12700" cmpd="sng">
+                      <a:noFill/>
+                    </a:lnR>
+                    <a:lnT w="12700" cap="flat" cmpd="sng" algn="ctr">
+                      <a:solidFill>
+                        <a:schemeClr val="tx1"/>
+                      </a:solidFill>
+                      <a:prstDash val="solid"/>
+                      <a:round/>
+                      <a:headEnd type="none" w="med" len="med"/>
+                      <a:tailEnd type="none" w="med" len="med"/>
+                    </a:lnT>
+                    <a:lnB w="12700" cap="flat" cmpd="sng" algn="ctr">
+                      <a:solidFill>
+                        <a:schemeClr val="tx1"/>
+                      </a:solidFill>
+                      <a:prstDash val="solid"/>
+                      <a:round/>
+                      <a:headEnd type="none" w="med" len="med"/>
+                      <a:tailEnd type="none" w="med" len="med"/>
+                    </a:lnB>
+                    <a:lnTlToBr w="12700" cmpd="sng">
+                      <a:noFill/>
+                      <a:prstDash val="solid"/>
+                    </a:lnTlToBr>
+                    <a:lnBlToTr w="12700" cmpd="sng">
+                      <a:noFill/>
+                      <a:prstDash val="solid"/>
+                    </a:lnBlToTr>
+                    <a:noFill/>
+                  </a:tcPr>
+                </a:tc>
+                <a:extLst>
+                  <a:ext uri="{0D108BD9-81ED-4DB2-BD59-A6C34878D82A}">
+                    <a16:rowId xmlns:a16="http://schemas.microsoft.com/office/drawing/2014/main" val="1284687236"/>
+                  </a:ext>
+                </a:extLst>
+              </a:tr>
+              <a:tr h="1165840">
+                <a:tc>
+                  <a:txBody>
+                    <a:bodyPr/>
+                    <a:lstStyle/>
+                    <a:p>
+                      <a:pPr algn="ctr"/>
+                      <a:r>
+                        <a:rPr lang="en-US" altLang="zh-CN" sz="1200" b="1" dirty="0">
+                          <a:solidFill>
+                            <a:schemeClr val="tx1"/>
+                          </a:solidFill>
+                        </a:rPr>
+                        <a:t>Die Photo</a:t>
+                      </a:r>
+                      <a:endParaRPr lang="zh-CN" altLang="en-US" sz="1200" b="1" dirty="0">
+                        <a:solidFill>
+                          <a:schemeClr val="tx1"/>
+                        </a:solidFill>
+                      </a:endParaRPr>
+                    </a:p>
+                  </a:txBody>
+                  <a:tcPr anchor="ctr">
+                    <a:lnL w="12700" cmpd="sng">
+                      <a:noFill/>
+                    </a:lnL>
+                    <a:lnR w="12700" cap="flat" cmpd="sng" algn="ctr">
+                      <a:solidFill>
+                        <a:schemeClr val="tx1"/>
+                      </a:solidFill>
+                      <a:prstDash val="solid"/>
+                      <a:round/>
+                      <a:headEnd type="none" w="med" len="med"/>
+                      <a:tailEnd type="none" w="med" len="med"/>
+                    </a:lnR>
+                    <a:lnT w="12700" cap="flat" cmpd="sng" algn="ctr">
+                      <a:solidFill>
+                        <a:schemeClr val="tx1"/>
+                      </a:solidFill>
+                      <a:prstDash val="solid"/>
+                      <a:round/>
+                      <a:headEnd type="none" w="med" len="med"/>
+                      <a:tailEnd type="none" w="med" len="med"/>
+                    </a:lnT>
+                    <a:lnB w="12700" cmpd="sng">
+                      <a:noFill/>
+                    </a:lnB>
+                    <a:lnTlToBr w="12700" cmpd="sng">
+                      <a:noFill/>
+                      <a:prstDash val="solid"/>
+                    </a:lnTlToBr>
+                    <a:lnBlToTr w="12700" cmpd="sng">
+                      <a:noFill/>
+                      <a:prstDash val="solid"/>
+                    </a:lnBlToTr>
+                    <a:solidFill>
+                      <a:schemeClr val="bg1">
+                        <a:lumMod val="95000"/>
+                      </a:schemeClr>
+                    </a:solidFill>
+                  </a:tcPr>
+                </a:tc>
+                <a:tc>
+                  <a:txBody>
+                    <a:bodyPr/>
+                    <a:lstStyle/>
+                    <a:p>
+                      <a:pPr algn="ctr"/>
+                      <a:endParaRPr lang="zh-CN" altLang="en-US" sz="1200" b="1" dirty="0">
+                        <a:solidFill>
+                          <a:schemeClr val="tx1"/>
+                        </a:solidFill>
+                      </a:endParaRPr>
+                    </a:p>
+                  </a:txBody>
+                  <a:tcPr anchor="ctr">
+                    <a:lnL w="12700" cap="flat" cmpd="sng" algn="ctr">
+                      <a:solidFill>
+                        <a:schemeClr val="tx1"/>
+                      </a:solidFill>
+                      <a:prstDash val="solid"/>
+                      <a:round/>
+                      <a:headEnd type="none" w="med" len="med"/>
+                      <a:tailEnd type="none" w="med" len="med"/>
+                    </a:lnL>
+                    <a:lnR w="12700" cap="flat" cmpd="sng" algn="ctr">
+                      <a:solidFill>
+                        <a:schemeClr val="tx1"/>
+                      </a:solidFill>
+                      <a:prstDash val="solid"/>
+                      <a:round/>
+                      <a:headEnd type="none" w="med" len="med"/>
+                      <a:tailEnd type="none" w="med" len="med"/>
+                    </a:lnR>
+                    <a:lnT w="12700" cap="flat" cmpd="sng" algn="ctr">
+                      <a:solidFill>
+                        <a:schemeClr val="tx1"/>
+                      </a:solidFill>
+                      <a:prstDash val="solid"/>
+                      <a:round/>
+                      <a:headEnd type="none" w="med" len="med"/>
+                      <a:tailEnd type="none" w="med" len="med"/>
+                    </a:lnT>
+                    <a:lnB w="12700" cmpd="sng">
+                      <a:noFill/>
+                    </a:lnB>
+                    <a:lnTlToBr w="12700" cmpd="sng">
+                      <a:noFill/>
+                      <a:prstDash val="solid"/>
+                    </a:lnTlToBr>
+                    <a:lnBlToTr w="12700" cmpd="sng">
+                      <a:noFill/>
+                      <a:prstDash val="solid"/>
+                    </a:lnBlToTr>
+                    <a:noFill/>
+                  </a:tcPr>
+                </a:tc>
+                <a:tc>
+                  <a:txBody>
+                    <a:bodyPr/>
+                    <a:lstStyle/>
+                    <a:p>
+                      <a:pPr algn="ctr"/>
+                      <a:endParaRPr lang="zh-CN" altLang="en-US" sz="1200" b="1" dirty="0">
+                        <a:solidFill>
+                          <a:schemeClr val="tx1"/>
+                        </a:solidFill>
+                      </a:endParaRPr>
+                    </a:p>
+                  </a:txBody>
+                  <a:tcPr anchor="ctr">
+                    <a:lnL w="12700" cap="flat" cmpd="sng" algn="ctr">
+                      <a:solidFill>
+                        <a:schemeClr val="tx1"/>
+                      </a:solidFill>
+                      <a:prstDash val="solid"/>
+                      <a:round/>
+                      <a:headEnd type="none" w="med" len="med"/>
+                      <a:tailEnd type="none" w="med" len="med"/>
+                    </a:lnL>
+                    <a:lnR w="12700" cap="flat" cmpd="sng" algn="ctr">
+                      <a:solidFill>
+                        <a:schemeClr val="tx1"/>
+                      </a:solidFill>
+                      <a:prstDash val="solid"/>
+                      <a:round/>
+                      <a:headEnd type="none" w="med" len="med"/>
+                      <a:tailEnd type="none" w="med" len="med"/>
+                    </a:lnR>
+                    <a:lnT w="12700" cap="flat" cmpd="sng" algn="ctr">
+                      <a:solidFill>
+                        <a:schemeClr val="tx1"/>
+                      </a:solidFill>
+                      <a:prstDash val="solid"/>
+                      <a:round/>
+                      <a:headEnd type="none" w="med" len="med"/>
+                      <a:tailEnd type="none" w="med" len="med"/>
+                    </a:lnT>
+                    <a:lnB w="12700" cmpd="sng">
+                      <a:noFill/>
+                    </a:lnB>
+                    <a:lnTlToBr w="12700" cmpd="sng">
+                      <a:noFill/>
+                      <a:prstDash val="solid"/>
+                    </a:lnTlToBr>
+                    <a:lnBlToTr w="12700" cmpd="sng">
+                      <a:noFill/>
+                      <a:prstDash val="solid"/>
+                    </a:lnBlToTr>
+                    <a:noFill/>
+                  </a:tcPr>
+                </a:tc>
+                <a:tc>
+                  <a:txBody>
+                    <a:bodyPr/>
+                    <a:lstStyle/>
+                    <a:p>
+                      <a:pPr algn="ctr"/>
+                      <a:endParaRPr lang="zh-CN" altLang="en-US" sz="1200" b="1" dirty="0">
+                        <a:solidFill>
+                          <a:schemeClr val="tx1"/>
+                        </a:solidFill>
+                      </a:endParaRPr>
+                    </a:p>
+                  </a:txBody>
+                  <a:tcPr anchor="ctr">
+                    <a:lnL w="12700" cap="flat" cmpd="sng" algn="ctr">
+                      <a:solidFill>
+                        <a:schemeClr val="tx1"/>
+                      </a:solidFill>
+                      <a:prstDash val="solid"/>
+                      <a:round/>
+                      <a:headEnd type="none" w="med" len="med"/>
+                      <a:tailEnd type="none" w="med" len="med"/>
+                    </a:lnL>
+                    <a:lnR w="12700" cmpd="sng">
+                      <a:noFill/>
+                    </a:lnR>
+                    <a:lnT w="12700" cap="flat" cmpd="sng" algn="ctr">
+                      <a:solidFill>
+                        <a:schemeClr val="tx1"/>
+                      </a:solidFill>
+                      <a:prstDash val="solid"/>
+                      <a:round/>
+                      <a:headEnd type="none" w="med" len="med"/>
+                      <a:tailEnd type="none" w="med" len="med"/>
+                    </a:lnT>
+                    <a:lnB w="12700" cmpd="sng">
+                      <a:noFill/>
+                    </a:lnB>
+                    <a:lnTlToBr w="12700" cmpd="sng">
+                      <a:noFill/>
+                      <a:prstDash val="solid"/>
+                    </a:lnTlToBr>
+                    <a:lnBlToTr w="12700" cmpd="sng">
+                      <a:noFill/>
+                      <a:prstDash val="solid"/>
+                    </a:lnBlToTr>
+                    <a:noFill/>
+                  </a:tcPr>
+                </a:tc>
+                <a:extLst>
+                  <a:ext uri="{0D108BD9-81ED-4DB2-BD59-A6C34878D82A}">
+                    <a16:rowId xmlns:a16="http://schemas.microsoft.com/office/drawing/2014/main" val="4294881621"/>
+                  </a:ext>
+                </a:extLst>
+              </a:tr>
+              <a:tr h="242807">
+                <a:tc>
+                  <a:txBody>
+                    <a:bodyPr/>
+                    <a:lstStyle/>
+                    <a:p>
+                      <a:pPr algn="ctr"/>
+                      <a:r>
+                        <a:rPr lang="en-US" altLang="zh-CN" sz="1200" b="1" dirty="0">
+                          <a:solidFill>
+                            <a:schemeClr val="tx1"/>
+                          </a:solidFill>
+                        </a:rPr>
+                        <a:t>Process</a:t>
+                      </a:r>
+                      <a:endParaRPr lang="zh-CN" altLang="en-US" sz="1200" b="1" dirty="0">
+                        <a:solidFill>
+                          <a:schemeClr val="tx1"/>
+                        </a:solidFill>
+                      </a:endParaRPr>
+                    </a:p>
+                  </a:txBody>
+                  <a:tcPr anchor="ctr">
+                    <a:lnL w="12700" cmpd="sng">
+                      <a:noFill/>
+                    </a:lnL>
+                    <a:lnR w="12700" cap="flat" cmpd="sng" algn="ctr">
+                      <a:solidFill>
+                        <a:schemeClr val="tx1"/>
+                      </a:solidFill>
+                      <a:prstDash val="solid"/>
+                      <a:round/>
+                      <a:headEnd type="none" w="med" len="med"/>
+                      <a:tailEnd type="none" w="med" len="med"/>
+                    </a:lnR>
+                    <a:lnT w="12700" cmpd="sng">
+                      <a:noFill/>
+                    </a:lnT>
+                    <a:lnB w="12700" cmpd="sng">
+                      <a:noFill/>
+                    </a:lnB>
+                    <a:lnTlToBr w="12700" cmpd="sng">
+                      <a:noFill/>
+                      <a:prstDash val="solid"/>
+                    </a:lnTlToBr>
+                    <a:lnBlToTr w="12700" cmpd="sng">
+                      <a:noFill/>
+                      <a:prstDash val="solid"/>
+                    </a:lnBlToTr>
+                    <a:solidFill>
+                      <a:schemeClr val="bg1">
+                        <a:lumMod val="95000"/>
+                      </a:schemeClr>
+                    </a:solidFill>
+                  </a:tcPr>
+                </a:tc>
+                <a:tc>
+                  <a:txBody>
+                    <a:bodyPr/>
+                    <a:lstStyle/>
+                    <a:p>
+                      <a:pPr algn="ctr"/>
+                      <a:r>
+                        <a:rPr lang="en-US" altLang="zh-CN" sz="1200" b="1" dirty="0">
+                          <a:solidFill>
+                            <a:schemeClr val="tx1"/>
+                          </a:solidFill>
+                        </a:rPr>
+                        <a:t>TIANMA-LTPS-4um</a:t>
+                      </a:r>
+                      <a:endParaRPr lang="zh-CN" altLang="en-US" sz="1200" b="1" dirty="0">
+                        <a:solidFill>
+                          <a:schemeClr val="tx1"/>
+                        </a:solidFill>
+                      </a:endParaRPr>
+                    </a:p>
+                  </a:txBody>
+                  <a:tcPr anchor="ctr">
+                    <a:lnL w="12700" cap="flat" cmpd="sng" algn="ctr">
+                      <a:solidFill>
+                        <a:schemeClr val="tx1"/>
+                      </a:solidFill>
+                      <a:prstDash val="solid"/>
+                      <a:round/>
+                      <a:headEnd type="none" w="med" len="med"/>
+                      <a:tailEnd type="none" w="med" len="med"/>
+                    </a:lnL>
+                    <a:lnR w="12700" cap="flat" cmpd="sng" algn="ctr">
+                      <a:solidFill>
+                        <a:schemeClr val="tx1"/>
+                      </a:solidFill>
+                      <a:prstDash val="solid"/>
+                      <a:round/>
+                      <a:headEnd type="none" w="med" len="med"/>
+                      <a:tailEnd type="none" w="med" len="med"/>
+                    </a:lnR>
+                    <a:lnT w="12700" cmpd="sng">
+                      <a:noFill/>
+                    </a:lnT>
+                    <a:lnB w="12700" cmpd="sng">
+                      <a:noFill/>
+                    </a:lnB>
+                    <a:lnTlToBr w="12700" cmpd="sng">
+                      <a:noFill/>
+                      <a:prstDash val="solid"/>
+                    </a:lnTlToBr>
+                    <a:lnBlToTr w="12700" cmpd="sng">
+                      <a:noFill/>
+                      <a:prstDash val="solid"/>
+                    </a:lnBlToTr>
+                    <a:noFill/>
+                  </a:tcPr>
+                </a:tc>
+                <a:tc>
+                  <a:txBody>
+                    <a:bodyPr/>
+                    <a:lstStyle/>
+                    <a:p>
+                      <a:pPr algn="ctr"/>
+                      <a:r>
+                        <a:rPr lang="en-US" altLang="zh-CN" sz="1200" b="1" dirty="0">
+                          <a:solidFill>
+                            <a:schemeClr val="tx1"/>
+                          </a:solidFill>
+                        </a:rPr>
+                        <a:t>TIANMA-LTPS-4um</a:t>
+                      </a:r>
+                      <a:endParaRPr lang="zh-CN" altLang="en-US" sz="1200" b="1" dirty="0">
+                        <a:solidFill>
+                          <a:schemeClr val="tx1"/>
+                        </a:solidFill>
+                      </a:endParaRPr>
+                    </a:p>
+                  </a:txBody>
+                  <a:tcPr anchor="ctr">
+                    <a:lnL w="12700" cap="flat" cmpd="sng" algn="ctr">
+                      <a:solidFill>
+                        <a:schemeClr val="tx1"/>
+                      </a:solidFill>
+                      <a:prstDash val="solid"/>
+                      <a:round/>
+                      <a:headEnd type="none" w="med" len="med"/>
+                      <a:tailEnd type="none" w="med" len="med"/>
+                    </a:lnL>
+                    <a:lnR w="12700" cap="flat" cmpd="sng" algn="ctr">
+                      <a:solidFill>
+                        <a:schemeClr val="tx1"/>
+                      </a:solidFill>
+                      <a:prstDash val="solid"/>
+                      <a:round/>
+                      <a:headEnd type="none" w="med" len="med"/>
+                      <a:tailEnd type="none" w="med" len="med"/>
+                    </a:lnR>
+                    <a:lnT w="12700" cmpd="sng">
+                      <a:noFill/>
+                    </a:lnT>
+                    <a:lnB w="12700" cmpd="sng">
+                      <a:noFill/>
+                    </a:lnB>
+                    <a:lnTlToBr w="12700" cmpd="sng">
+                      <a:noFill/>
+                      <a:prstDash val="solid"/>
+                    </a:lnTlToBr>
+                    <a:lnBlToTr w="12700" cmpd="sng">
+                      <a:noFill/>
+                      <a:prstDash val="solid"/>
+                    </a:lnBlToTr>
+                    <a:noFill/>
+                  </a:tcPr>
+                </a:tc>
+                <a:tc>
+                  <a:txBody>
+                    <a:bodyPr/>
+                    <a:lstStyle/>
+                    <a:p>
+                      <a:pPr algn="ctr"/>
+                      <a:r>
+                        <a:rPr lang="en-US" altLang="zh-CN" sz="1200" b="1" dirty="0">
+                          <a:solidFill>
+                            <a:schemeClr val="tx1"/>
+                          </a:solidFill>
+                        </a:rPr>
+                        <a:t>TIANMA-LTPS-4um</a:t>
+                      </a:r>
+                      <a:endParaRPr lang="zh-CN" altLang="en-US" sz="1200" b="1" dirty="0">
+                        <a:solidFill>
+                          <a:schemeClr val="tx1"/>
+                        </a:solidFill>
+                      </a:endParaRPr>
+                    </a:p>
+                  </a:txBody>
+                  <a:tcPr anchor="ctr">
+                    <a:lnL w="12700" cap="flat" cmpd="sng" algn="ctr">
+                      <a:solidFill>
+                        <a:schemeClr val="tx1"/>
+                      </a:solidFill>
+                      <a:prstDash val="solid"/>
+                      <a:round/>
+                      <a:headEnd type="none" w="med" len="med"/>
+                      <a:tailEnd type="none" w="med" len="med"/>
+                    </a:lnL>
+                    <a:lnR w="12700" cmpd="sng">
+                      <a:noFill/>
+                    </a:lnR>
+                    <a:lnT w="12700" cmpd="sng">
+                      <a:noFill/>
+                    </a:lnT>
+                    <a:lnB w="12700" cmpd="sng">
+                      <a:noFill/>
+                    </a:lnB>
+                    <a:lnTlToBr w="12700" cmpd="sng">
+                      <a:noFill/>
+                      <a:prstDash val="solid"/>
+                    </a:lnTlToBr>
+                    <a:lnBlToTr w="12700" cmpd="sng">
+                      <a:noFill/>
+                      <a:prstDash val="solid"/>
+                    </a:lnBlToTr>
+                    <a:noFill/>
+                  </a:tcPr>
+                </a:tc>
+                <a:extLst>
+                  <a:ext uri="{0D108BD9-81ED-4DB2-BD59-A6C34878D82A}">
+                    <a16:rowId xmlns:a16="http://schemas.microsoft.com/office/drawing/2014/main" val="3568315051"/>
+                  </a:ext>
+                </a:extLst>
+              </a:tr>
+              <a:tr h="242807">
+                <a:tc>
+                  <a:txBody>
+                    <a:bodyPr/>
+                    <a:lstStyle/>
+                    <a:p>
+                      <a:pPr algn="ctr"/>
+                      <a:r>
+                        <a:rPr lang="en-US" altLang="zh-CN" sz="1200" b="1" dirty="0">
+                          <a:solidFill>
+                            <a:schemeClr val="tx1"/>
+                          </a:solidFill>
+                        </a:rPr>
+                        <a:t>Functionality</a:t>
+                      </a:r>
+                      <a:endParaRPr lang="zh-CN" altLang="en-US" sz="1200" b="1" dirty="0">
+                        <a:solidFill>
+                          <a:schemeClr val="tx1"/>
+                        </a:solidFill>
+                      </a:endParaRPr>
+                    </a:p>
+                  </a:txBody>
+                  <a:tcPr anchor="ctr">
+                    <a:lnL w="12700" cmpd="sng">
+                      <a:noFill/>
+                    </a:lnL>
+                    <a:lnR w="12700" cap="flat" cmpd="sng" algn="ctr">
+                      <a:solidFill>
+                        <a:schemeClr val="tx1"/>
+                      </a:solidFill>
+                      <a:prstDash val="solid"/>
+                      <a:round/>
+                      <a:headEnd type="none" w="med" len="med"/>
+                      <a:tailEnd type="none" w="med" len="med"/>
+                    </a:lnR>
+                    <a:lnT w="12700" cmpd="sng">
+                      <a:noFill/>
+                    </a:lnT>
+                    <a:lnB w="12700" cmpd="sng">
+                      <a:noFill/>
+                    </a:lnB>
+                    <a:lnTlToBr w="12700" cmpd="sng">
+                      <a:noFill/>
+                      <a:prstDash val="solid"/>
+                    </a:lnTlToBr>
+                    <a:lnBlToTr w="12700" cmpd="sng">
+                      <a:noFill/>
+                      <a:prstDash val="solid"/>
+                    </a:lnBlToTr>
+                    <a:solidFill>
+                      <a:schemeClr val="bg1">
+                        <a:lumMod val="95000"/>
+                      </a:schemeClr>
+                    </a:solidFill>
+                  </a:tcPr>
+                </a:tc>
+                <a:tc>
+                  <a:txBody>
+                    <a:bodyPr/>
+                    <a:lstStyle/>
+                    <a:p>
+                      <a:pPr algn="ctr"/>
+                      <a:r>
+                        <a:rPr lang="en-US" altLang="zh-CN" sz="1200" b="1" dirty="0">
+                          <a:solidFill>
+                            <a:schemeClr val="tx1"/>
+                          </a:solidFill>
+                        </a:rPr>
+                        <a:t>On-glass ADC</a:t>
+                      </a:r>
+                      <a:endParaRPr lang="zh-CN" altLang="en-US" sz="1200" b="1" dirty="0">
+                        <a:solidFill>
+                          <a:schemeClr val="tx1"/>
+                        </a:solidFill>
+                      </a:endParaRPr>
+                    </a:p>
+                  </a:txBody>
+                  <a:tcPr anchor="ctr">
+                    <a:lnL w="12700" cap="flat" cmpd="sng" algn="ctr">
+                      <a:solidFill>
+                        <a:schemeClr val="tx1"/>
+                      </a:solidFill>
+                      <a:prstDash val="solid"/>
+                      <a:round/>
+                      <a:headEnd type="none" w="med" len="med"/>
+                      <a:tailEnd type="none" w="med" len="med"/>
+                    </a:lnL>
+                    <a:lnR w="12700" cap="flat" cmpd="sng" algn="ctr">
+                      <a:solidFill>
+                        <a:schemeClr val="tx1"/>
+                      </a:solidFill>
+                      <a:prstDash val="solid"/>
+                      <a:round/>
+                      <a:headEnd type="none" w="med" len="med"/>
+                      <a:tailEnd type="none" w="med" len="med"/>
+                    </a:lnR>
+                    <a:lnT w="12700" cmpd="sng">
+                      <a:noFill/>
+                    </a:lnT>
+                    <a:lnB w="12700" cmpd="sng">
+                      <a:noFill/>
+                    </a:lnB>
+                    <a:lnTlToBr w="12700" cmpd="sng">
+                      <a:noFill/>
+                      <a:prstDash val="solid"/>
+                    </a:lnTlToBr>
+                    <a:lnBlToTr w="12700" cmpd="sng">
+                      <a:noFill/>
+                      <a:prstDash val="solid"/>
+                    </a:lnBlToTr>
+                    <a:noFill/>
+                  </a:tcPr>
+                </a:tc>
+                <a:tc>
+                  <a:txBody>
+                    <a:bodyPr/>
+                    <a:lstStyle/>
+                    <a:p>
+                      <a:pPr marL="0" marR="0" lvl="0" indent="0" algn="ctr" defTabSz="914400" rtl="0" eaLnBrk="1" fontAlgn="auto" latinLnBrk="0" hangingPunct="1">
+                        <a:lnSpc>
+                          <a:spcPct val="100000"/>
+                        </a:lnSpc>
+                        <a:spcBef>
+                          <a:spcPts val="0"/>
+                        </a:spcBef>
+                        <a:spcAft>
+                          <a:spcPts val="0"/>
+                        </a:spcAft>
+                        <a:buClrTx/>
+                        <a:buSzTx/>
+                        <a:buFontTx/>
+                        <a:buNone/>
+                        <a:tabLst/>
+                        <a:defRPr/>
+                      </a:pPr>
+                      <a:r>
+                        <a:rPr lang="en-US" altLang="zh-CN" sz="1200" b="1" dirty="0">
+                          <a:solidFill>
+                            <a:schemeClr val="tx1"/>
+                          </a:solidFill>
+                        </a:rPr>
+                        <a:t>4×4 Bio-Array</a:t>
+                      </a:r>
+                    </a:p>
+                  </a:txBody>
+                  <a:tcPr anchor="ctr">
+                    <a:lnL w="12700" cap="flat" cmpd="sng" algn="ctr">
+                      <a:solidFill>
+                        <a:schemeClr val="tx1"/>
+                      </a:solidFill>
+                      <a:prstDash val="solid"/>
+                      <a:round/>
+                      <a:headEnd type="none" w="med" len="med"/>
+                      <a:tailEnd type="none" w="med" len="med"/>
+                    </a:lnL>
+                    <a:lnR w="12700" cap="flat" cmpd="sng" algn="ctr">
+                      <a:solidFill>
+                        <a:schemeClr val="tx1"/>
+                      </a:solidFill>
+                      <a:prstDash val="solid"/>
+                      <a:round/>
+                      <a:headEnd type="none" w="med" len="med"/>
+                      <a:tailEnd type="none" w="med" len="med"/>
+                    </a:lnR>
+                    <a:lnT w="12700" cmpd="sng">
+                      <a:noFill/>
+                    </a:lnT>
+                    <a:lnB w="12700" cmpd="sng">
+                      <a:noFill/>
+                    </a:lnB>
+                    <a:lnTlToBr w="12700" cmpd="sng">
+                      <a:noFill/>
+                      <a:prstDash val="solid"/>
+                    </a:lnTlToBr>
+                    <a:lnBlToTr w="12700" cmpd="sng">
+                      <a:noFill/>
+                      <a:prstDash val="solid"/>
+                    </a:lnBlToTr>
+                    <a:noFill/>
+                  </a:tcPr>
+                </a:tc>
+                <a:tc>
+                  <a:txBody>
+                    <a:bodyPr/>
+                    <a:lstStyle/>
+                    <a:p>
+                      <a:pPr algn="ctr"/>
+                      <a:r>
+                        <a:rPr lang="en-US" altLang="zh-CN" sz="1200" b="1" dirty="0">
+                          <a:solidFill>
+                            <a:schemeClr val="tx1"/>
+                          </a:solidFill>
+                        </a:rPr>
+                        <a:t>PPG Acquisition</a:t>
+                      </a:r>
+                      <a:endParaRPr lang="zh-CN" altLang="en-US" sz="1200" b="1" dirty="0">
+                        <a:solidFill>
+                          <a:schemeClr val="tx1"/>
+                        </a:solidFill>
+                      </a:endParaRPr>
+                    </a:p>
+                  </a:txBody>
+                  <a:tcPr anchor="ctr">
+                    <a:lnL w="12700" cap="flat" cmpd="sng" algn="ctr">
+                      <a:solidFill>
+                        <a:schemeClr val="tx1"/>
+                      </a:solidFill>
+                      <a:prstDash val="solid"/>
+                      <a:round/>
+                      <a:headEnd type="none" w="med" len="med"/>
+                      <a:tailEnd type="none" w="med" len="med"/>
+                    </a:lnL>
+                    <a:lnR w="12700" cmpd="sng">
+                      <a:noFill/>
+                    </a:lnR>
+                    <a:lnT w="12700" cmpd="sng">
+                      <a:noFill/>
+                    </a:lnT>
+                    <a:lnB w="12700" cmpd="sng">
+                      <a:noFill/>
+                    </a:lnB>
+                    <a:lnTlToBr w="12700" cmpd="sng">
+                      <a:noFill/>
+                      <a:prstDash val="solid"/>
+                    </a:lnTlToBr>
+                    <a:lnBlToTr w="12700" cmpd="sng">
+                      <a:noFill/>
+                      <a:prstDash val="solid"/>
+                    </a:lnBlToTr>
+                    <a:noFill/>
+                  </a:tcPr>
+                </a:tc>
+                <a:extLst>
+                  <a:ext uri="{0D108BD9-81ED-4DB2-BD59-A6C34878D82A}">
+                    <a16:rowId xmlns:a16="http://schemas.microsoft.com/office/drawing/2014/main" val="625503903"/>
+                  </a:ext>
+                </a:extLst>
+              </a:tr>
+              <a:tr h="242807">
+                <a:tc>
+                  <a:txBody>
+                    <a:bodyPr/>
+                    <a:lstStyle/>
+                    <a:p>
+                      <a:pPr algn="ctr"/>
+                      <a:endParaRPr lang="zh-CN" altLang="en-US" sz="1200" b="1" dirty="0">
+                        <a:solidFill>
+                          <a:schemeClr val="tx1"/>
+                        </a:solidFill>
+                      </a:endParaRPr>
+                    </a:p>
+                  </a:txBody>
+                  <a:tcPr anchor="ctr">
+                    <a:lnL w="12700" cmpd="sng">
+                      <a:noFill/>
+                    </a:lnL>
+                    <a:lnR w="12700" cap="flat" cmpd="sng" algn="ctr">
+                      <a:solidFill>
+                        <a:schemeClr val="tx1"/>
+                      </a:solidFill>
+                      <a:prstDash val="solid"/>
+                      <a:round/>
+                      <a:headEnd type="none" w="med" len="med"/>
+                      <a:tailEnd type="none" w="med" len="med"/>
+                    </a:lnR>
+                    <a:lnT w="12700" cmpd="sng">
+                      <a:noFill/>
+                    </a:lnT>
+                    <a:lnB w="12700" cmpd="sng">
+                      <a:noFill/>
+                    </a:lnB>
+                    <a:lnTlToBr w="12700" cmpd="sng">
+                      <a:noFill/>
+                      <a:prstDash val="solid"/>
+                    </a:lnTlToBr>
+                    <a:lnBlToTr w="12700" cmpd="sng">
+                      <a:noFill/>
+                      <a:prstDash val="solid"/>
+                    </a:lnBlToTr>
+                    <a:solidFill>
+                      <a:schemeClr val="bg1">
+                        <a:lumMod val="95000"/>
+                      </a:schemeClr>
+                    </a:solidFill>
+                  </a:tcPr>
+                </a:tc>
+                <a:tc>
+                  <a:txBody>
+                    <a:bodyPr/>
+                    <a:lstStyle/>
+                    <a:p>
+                      <a:pPr algn="ctr"/>
+                      <a:r>
+                        <a:rPr lang="en-US" altLang="zh-CN" sz="1200" b="1" dirty="0" err="1">
+                          <a:solidFill>
+                            <a:schemeClr val="tx1"/>
+                          </a:solidFill>
+                        </a:rPr>
+                        <a:t>Enob</a:t>
+                      </a:r>
+                      <a:r>
+                        <a:rPr lang="en-US" altLang="zh-CN" sz="1200" b="1" dirty="0">
+                          <a:solidFill>
+                            <a:schemeClr val="tx1"/>
+                          </a:solidFill>
+                        </a:rPr>
+                        <a:t>=10.2 bits</a:t>
+                      </a:r>
+                      <a:endParaRPr lang="zh-CN" altLang="en-US" sz="1200" b="1" dirty="0">
+                        <a:solidFill>
+                          <a:schemeClr val="tx1"/>
+                        </a:solidFill>
+                      </a:endParaRPr>
+                    </a:p>
+                  </a:txBody>
+                  <a:tcPr anchor="ctr">
+                    <a:lnL w="12700" cap="flat" cmpd="sng" algn="ctr">
+                      <a:solidFill>
+                        <a:schemeClr val="tx1"/>
+                      </a:solidFill>
+                      <a:prstDash val="solid"/>
+                      <a:round/>
+                      <a:headEnd type="none" w="med" len="med"/>
+                      <a:tailEnd type="none" w="med" len="med"/>
+                    </a:lnL>
+                    <a:lnR w="12700" cap="flat" cmpd="sng" algn="ctr">
+                      <a:solidFill>
+                        <a:schemeClr val="tx1"/>
+                      </a:solidFill>
+                      <a:prstDash val="solid"/>
+                      <a:round/>
+                      <a:headEnd type="none" w="med" len="med"/>
+                      <a:tailEnd type="none" w="med" len="med"/>
+                    </a:lnR>
+                    <a:lnT w="12700" cmpd="sng">
+                      <a:noFill/>
+                    </a:lnT>
+                    <a:lnB w="12700" cmpd="sng">
+                      <a:noFill/>
+                    </a:lnB>
+                    <a:lnTlToBr w="12700" cmpd="sng">
+                      <a:noFill/>
+                      <a:prstDash val="solid"/>
+                    </a:lnTlToBr>
+                    <a:lnBlToTr w="12700" cmpd="sng">
+                      <a:noFill/>
+                      <a:prstDash val="solid"/>
+                    </a:lnBlToTr>
+                    <a:noFill/>
+                  </a:tcPr>
+                </a:tc>
+                <a:tc>
+                  <a:txBody>
+                    <a:bodyPr/>
+                    <a:lstStyle/>
+                    <a:p>
+                      <a:pPr marL="0" marR="0" lvl="0" indent="0" algn="ctr" defTabSz="914400" rtl="0" eaLnBrk="1" fontAlgn="auto" latinLnBrk="0" hangingPunct="1">
+                        <a:lnSpc>
+                          <a:spcPct val="100000"/>
+                        </a:lnSpc>
+                        <a:spcBef>
+                          <a:spcPts val="0"/>
+                        </a:spcBef>
+                        <a:spcAft>
+                          <a:spcPts val="0"/>
+                        </a:spcAft>
+                        <a:buClrTx/>
+                        <a:buSzTx/>
+                        <a:buFontTx/>
+                        <a:buNone/>
+                        <a:tabLst/>
+                        <a:defRPr/>
+                      </a:pPr>
+                      <a:r>
+                        <a:rPr lang="en-US" altLang="zh-CN" sz="1200" b="1" dirty="0">
+                          <a:solidFill>
+                            <a:schemeClr val="tx1"/>
+                          </a:solidFill>
+                        </a:rPr>
+                        <a:t>Stimulator + IA + ADC</a:t>
+                      </a:r>
+                      <a:endParaRPr lang="zh-CN" altLang="en-US" sz="1200" b="1" dirty="0">
+                        <a:solidFill>
+                          <a:schemeClr val="tx1"/>
+                        </a:solidFill>
+                      </a:endParaRPr>
+                    </a:p>
+                  </a:txBody>
+                  <a:tcPr anchor="ctr">
+                    <a:lnL w="12700" cap="flat" cmpd="sng" algn="ctr">
+                      <a:solidFill>
+                        <a:schemeClr val="tx1"/>
+                      </a:solidFill>
+                      <a:prstDash val="solid"/>
+                      <a:round/>
+                      <a:headEnd type="none" w="med" len="med"/>
+                      <a:tailEnd type="none" w="med" len="med"/>
+                    </a:lnL>
+                    <a:lnR w="12700" cap="flat" cmpd="sng" algn="ctr">
+                      <a:solidFill>
+                        <a:schemeClr val="tx1"/>
+                      </a:solidFill>
+                      <a:prstDash val="solid"/>
+                      <a:round/>
+                      <a:headEnd type="none" w="med" len="med"/>
+                      <a:tailEnd type="none" w="med" len="med"/>
+                    </a:lnR>
+                    <a:lnT w="12700" cmpd="sng">
+                      <a:noFill/>
+                    </a:lnT>
+                    <a:lnB w="12700" cmpd="sng">
+                      <a:noFill/>
+                    </a:lnB>
+                    <a:lnTlToBr w="12700" cmpd="sng">
+                      <a:noFill/>
+                      <a:prstDash val="solid"/>
+                    </a:lnTlToBr>
+                    <a:lnBlToTr w="12700" cmpd="sng">
+                      <a:noFill/>
+                      <a:prstDash val="solid"/>
+                    </a:lnBlToTr>
+                    <a:noFill/>
+                  </a:tcPr>
+                </a:tc>
+                <a:tc>
+                  <a:txBody>
+                    <a:bodyPr/>
+                    <a:lstStyle/>
+                    <a:p>
+                      <a:pPr algn="ctr"/>
+                      <a:r>
+                        <a:rPr lang="en-US" altLang="zh-CN" sz="1200" b="1" dirty="0">
+                          <a:solidFill>
+                            <a:schemeClr val="tx1"/>
+                          </a:solidFill>
+                        </a:rPr>
+                        <a:t>LED Driver + IA + ADC</a:t>
+                      </a:r>
+                      <a:endParaRPr lang="zh-CN" altLang="en-US" sz="1200" b="1" dirty="0">
+                        <a:solidFill>
+                          <a:schemeClr val="tx1"/>
+                        </a:solidFill>
+                      </a:endParaRPr>
+                    </a:p>
+                  </a:txBody>
+                  <a:tcPr anchor="ctr">
+                    <a:lnL w="12700" cap="flat" cmpd="sng" algn="ctr">
+                      <a:solidFill>
+                        <a:schemeClr val="tx1"/>
+                      </a:solidFill>
+                      <a:prstDash val="solid"/>
+                      <a:round/>
+                      <a:headEnd type="none" w="med" len="med"/>
+                      <a:tailEnd type="none" w="med" len="med"/>
+                    </a:lnL>
+                    <a:lnR w="12700" cmpd="sng">
+                      <a:noFill/>
+                    </a:lnR>
+                    <a:lnT w="12700" cmpd="sng">
+                      <a:noFill/>
+                    </a:lnT>
+                    <a:lnB w="12700" cmpd="sng">
+                      <a:noFill/>
+                    </a:lnB>
+                    <a:lnTlToBr w="12700" cmpd="sng">
+                      <a:noFill/>
+                      <a:prstDash val="solid"/>
+                    </a:lnTlToBr>
+                    <a:lnBlToTr w="12700" cmpd="sng">
+                      <a:noFill/>
+                      <a:prstDash val="solid"/>
+                    </a:lnBlToTr>
+                    <a:noFill/>
+                  </a:tcPr>
+                </a:tc>
+                <a:extLst>
+                  <a:ext uri="{0D108BD9-81ED-4DB2-BD59-A6C34878D82A}">
+                    <a16:rowId xmlns:a16="http://schemas.microsoft.com/office/drawing/2014/main" val="2553111000"/>
+                  </a:ext>
+                </a:extLst>
+              </a:tr>
+              <a:tr h="242807">
+                <a:tc>
+                  <a:txBody>
+                    <a:bodyPr/>
+                    <a:lstStyle/>
+                    <a:p>
+                      <a:pPr algn="ctr"/>
+                      <a:r>
+                        <a:rPr lang="en-US" altLang="zh-CN" sz="1200" b="1" dirty="0">
+                          <a:solidFill>
+                            <a:schemeClr val="tx1"/>
+                          </a:solidFill>
+                        </a:rPr>
+                        <a:t>Publication</a:t>
+                      </a:r>
+                      <a:endParaRPr lang="zh-CN" altLang="en-US" sz="1200" b="1" dirty="0">
+                        <a:solidFill>
+                          <a:schemeClr val="tx1"/>
+                        </a:solidFill>
+                      </a:endParaRPr>
+                    </a:p>
+                  </a:txBody>
+                  <a:tcPr anchor="ctr">
+                    <a:lnL w="12700" cmpd="sng">
+                      <a:noFill/>
+                    </a:lnL>
+                    <a:lnR w="12700" cap="flat" cmpd="sng" algn="ctr">
+                      <a:solidFill>
+                        <a:schemeClr val="tx1"/>
+                      </a:solidFill>
+                      <a:prstDash val="solid"/>
+                      <a:round/>
+                      <a:headEnd type="none" w="med" len="med"/>
+                      <a:tailEnd type="none" w="med" len="med"/>
+                    </a:lnR>
+                    <a:lnT w="12700" cmpd="sng">
+                      <a:noFill/>
+                    </a:lnT>
+                    <a:lnB w="12700" cap="flat" cmpd="sng" algn="ctr">
+                      <a:solidFill>
+                        <a:schemeClr val="tx1"/>
+                      </a:solidFill>
+                      <a:prstDash val="solid"/>
+                      <a:round/>
+                      <a:headEnd type="none" w="med" len="med"/>
+                      <a:tailEnd type="none" w="med" len="med"/>
+                    </a:lnB>
+                    <a:lnTlToBr w="12700" cmpd="sng">
+                      <a:noFill/>
+                      <a:prstDash val="solid"/>
+                    </a:lnTlToBr>
+                    <a:lnBlToTr w="12700" cmpd="sng">
+                      <a:noFill/>
+                      <a:prstDash val="solid"/>
+                    </a:lnBlToTr>
+                    <a:solidFill>
+                      <a:schemeClr val="bg1">
+                        <a:lumMod val="95000"/>
+                      </a:schemeClr>
+                    </a:solidFill>
+                  </a:tcPr>
+                </a:tc>
+                <a:tc>
+                  <a:txBody>
+                    <a:bodyPr/>
+                    <a:lstStyle/>
+                    <a:p>
+                      <a:pPr algn="ctr"/>
+                      <a:r>
+                        <a:rPr lang="en-US" altLang="zh-CN" sz="1200" b="1" dirty="0">
+                          <a:solidFill>
+                            <a:schemeClr val="tx1"/>
+                          </a:solidFill>
+                        </a:rPr>
+                        <a:t>Under Review</a:t>
+                      </a:r>
+                      <a:endParaRPr lang="zh-CN" altLang="en-US" sz="1200" b="1" dirty="0">
+                        <a:solidFill>
+                          <a:schemeClr val="tx1"/>
+                        </a:solidFill>
+                      </a:endParaRPr>
+                    </a:p>
+                  </a:txBody>
+                  <a:tcPr anchor="ctr">
+                    <a:lnL w="12700" cap="flat" cmpd="sng" algn="ctr">
+                      <a:solidFill>
+                        <a:schemeClr val="tx1"/>
+                      </a:solidFill>
+                      <a:prstDash val="solid"/>
+                      <a:round/>
+                      <a:headEnd type="none" w="med" len="med"/>
+                      <a:tailEnd type="none" w="med" len="med"/>
+                    </a:lnL>
+                    <a:lnR w="12700" cap="flat" cmpd="sng" algn="ctr">
+                      <a:solidFill>
+                        <a:schemeClr val="tx1"/>
+                      </a:solidFill>
+                      <a:prstDash val="solid"/>
+                      <a:round/>
+                      <a:headEnd type="none" w="med" len="med"/>
+                      <a:tailEnd type="none" w="med" len="med"/>
+                    </a:lnR>
+                    <a:lnT w="12700" cmpd="sng">
+                      <a:noFill/>
+                    </a:lnT>
+                    <a:lnB w="12700" cap="flat" cmpd="sng" algn="ctr">
+                      <a:solidFill>
+                        <a:schemeClr val="tx1"/>
+                      </a:solidFill>
+                      <a:prstDash val="solid"/>
+                      <a:round/>
+                      <a:headEnd type="none" w="med" len="med"/>
+                      <a:tailEnd type="none" w="med" len="med"/>
+                    </a:lnB>
+                    <a:lnTlToBr w="12700" cmpd="sng">
+                      <a:noFill/>
+                      <a:prstDash val="solid"/>
+                    </a:lnTlToBr>
+                    <a:lnBlToTr w="12700" cmpd="sng">
+                      <a:noFill/>
+                      <a:prstDash val="solid"/>
+                    </a:lnBlToTr>
+                    <a:noFill/>
+                  </a:tcPr>
+                </a:tc>
+                <a:tc>
+                  <a:txBody>
+                    <a:bodyPr/>
+                    <a:lstStyle/>
+                    <a:p>
+                      <a:pPr algn="ctr"/>
+                      <a:r>
+                        <a:rPr lang="en-US" altLang="zh-CN" sz="1200" b="1" dirty="0">
+                          <a:solidFill>
+                            <a:schemeClr val="tx1"/>
+                          </a:solidFill>
+                        </a:rPr>
+                        <a:t>ISCAS’24</a:t>
+                      </a:r>
+                      <a:endParaRPr lang="zh-CN" altLang="en-US" sz="1200" b="1" dirty="0">
+                        <a:solidFill>
+                          <a:schemeClr val="tx1"/>
+                        </a:solidFill>
+                      </a:endParaRPr>
+                    </a:p>
+                  </a:txBody>
+                  <a:tcPr anchor="ctr">
+                    <a:lnL w="12700" cap="flat" cmpd="sng" algn="ctr">
+                      <a:solidFill>
+                        <a:schemeClr val="tx1"/>
+                      </a:solidFill>
+                      <a:prstDash val="solid"/>
+                      <a:round/>
+                      <a:headEnd type="none" w="med" len="med"/>
+                      <a:tailEnd type="none" w="med" len="med"/>
+                    </a:lnL>
+                    <a:lnR w="12700" cap="flat" cmpd="sng" algn="ctr">
+                      <a:solidFill>
+                        <a:schemeClr val="tx1"/>
+                      </a:solidFill>
+                      <a:prstDash val="solid"/>
+                      <a:round/>
+                      <a:headEnd type="none" w="med" len="med"/>
+                      <a:tailEnd type="none" w="med" len="med"/>
+                    </a:lnR>
+                    <a:lnT w="12700" cmpd="sng">
+                      <a:noFill/>
+                    </a:lnT>
+                    <a:lnB w="12700" cap="flat" cmpd="sng" algn="ctr">
+                      <a:solidFill>
+                        <a:schemeClr val="tx1"/>
+                      </a:solidFill>
+                      <a:prstDash val="solid"/>
+                      <a:round/>
+                      <a:headEnd type="none" w="med" len="med"/>
+                      <a:tailEnd type="none" w="med" len="med"/>
+                    </a:lnB>
+                    <a:lnTlToBr w="12700" cmpd="sng">
+                      <a:noFill/>
+                      <a:prstDash val="solid"/>
+                    </a:lnTlToBr>
+                    <a:lnBlToTr w="12700" cmpd="sng">
+                      <a:noFill/>
+                      <a:prstDash val="solid"/>
+                    </a:lnBlToTr>
+                    <a:noFill/>
+                  </a:tcPr>
+                </a:tc>
+                <a:tc>
+                  <a:txBody>
+                    <a:bodyPr/>
+                    <a:lstStyle/>
+                    <a:p>
+                      <a:pPr algn="ctr"/>
+                      <a:r>
+                        <a:rPr lang="en-US" altLang="zh-CN" sz="1200" b="1" dirty="0">
+                          <a:solidFill>
+                            <a:schemeClr val="tx1"/>
+                          </a:solidFill>
+                        </a:rPr>
+                        <a:t>ASSCC’24</a:t>
+                      </a:r>
+                      <a:endParaRPr lang="zh-CN" altLang="en-US" sz="1200" b="1" dirty="0">
+                        <a:solidFill>
+                          <a:schemeClr val="tx1"/>
+                        </a:solidFill>
+                      </a:endParaRPr>
+                    </a:p>
+                  </a:txBody>
+                  <a:tcPr anchor="ctr">
+                    <a:lnL w="12700" cap="flat" cmpd="sng" algn="ctr">
+                      <a:solidFill>
+                        <a:schemeClr val="tx1"/>
+                      </a:solidFill>
+                      <a:prstDash val="solid"/>
+                      <a:round/>
+                      <a:headEnd type="none" w="med" len="med"/>
+                      <a:tailEnd type="none" w="med" len="med"/>
+                    </a:lnL>
+                    <a:lnR w="12700" cmpd="sng">
+                      <a:noFill/>
+                    </a:lnR>
+                    <a:lnT w="12700" cmpd="sng">
+                      <a:noFill/>
+                    </a:lnT>
+                    <a:lnB w="12700" cap="flat" cmpd="sng" algn="ctr">
+                      <a:solidFill>
+                        <a:schemeClr val="tx1"/>
+                      </a:solidFill>
+                      <a:prstDash val="solid"/>
+                      <a:round/>
+                      <a:headEnd type="none" w="med" len="med"/>
+                      <a:tailEnd type="none" w="med" len="med"/>
+                    </a:lnB>
+                    <a:lnTlToBr w="12700" cmpd="sng">
+                      <a:noFill/>
+                      <a:prstDash val="solid"/>
+                    </a:lnTlToBr>
+                    <a:lnBlToTr w="12700" cmpd="sng">
+                      <a:noFill/>
+                      <a:prstDash val="solid"/>
+                    </a:lnBlToTr>
+                    <a:noFill/>
+                  </a:tcPr>
+                </a:tc>
+                <a:extLst>
+                  <a:ext uri="{0D108BD9-81ED-4DB2-BD59-A6C34878D82A}">
+                    <a16:rowId xmlns:a16="http://schemas.microsoft.com/office/drawing/2014/main" val="3394672408"/>
+                  </a:ext>
+                </a:extLst>
+              </a:tr>
+            </a:tbl>
+          </a:graphicData>
+        </a:graphic>
+      </p:graphicFrame>
+      <p:pic>
+        <p:nvPicPr>
+          <p:cNvPr id="5" name="图片 4">
+            <a:extLst>
+              <a:ext uri="{FF2B5EF4-FFF2-40B4-BE49-F238E27FC236}">
+                <a16:creationId xmlns:a16="http://schemas.microsoft.com/office/drawing/2014/main" id="{0BF17481-3328-45B6-9C2D-255733151667}"/>
+              </a:ext>
+            </a:extLst>
+          </p:cNvPr>
+          <p:cNvPicPr>
+            <a:picLocks noChangeAspect="1"/>
+          </p:cNvPicPr>
+          <p:nvPr/>
+        </p:nvPicPr>
+        <p:blipFill>
+          <a:blip r:embed="rId2" cstate="print">
+            <a:extLst>
+              <a:ext uri="{28A0092B-C50C-407E-A947-70E740481C1C}">
+                <a14:useLocalDpi xmlns:a14="http://schemas.microsoft.com/office/drawing/2010/main" val="0"/>
+              </a:ext>
+            </a:extLst>
+          </a:blip>
+          <a:stretch>
+            <a:fillRect/>
+          </a:stretch>
+        </p:blipFill>
+        <p:spPr>
+          <a:xfrm>
+            <a:off x="2386643" y="942481"/>
+            <a:ext cx="1480404" cy="1139658"/>
+          </a:xfrm>
+          <a:prstGeom prst="rect">
+            <a:avLst/>
+          </a:prstGeom>
+        </p:spPr>
+      </p:pic>
+      <p:pic>
+        <p:nvPicPr>
+          <p:cNvPr id="9" name="图片 8">
+            <a:extLst>
+              <a:ext uri="{FF2B5EF4-FFF2-40B4-BE49-F238E27FC236}">
+                <a16:creationId xmlns:a16="http://schemas.microsoft.com/office/drawing/2014/main" id="{B96A66CE-665F-41B1-B2F4-9B2CE3F42B5D}"/>
+              </a:ext>
+            </a:extLst>
+          </p:cNvPr>
+          <p:cNvPicPr>
+            <a:picLocks noChangeAspect="1"/>
+          </p:cNvPicPr>
+          <p:nvPr/>
+        </p:nvPicPr>
+        <p:blipFill>
+          <a:blip r:embed="rId3" cstate="print">
+            <a:extLst>
+              <a:ext uri="{28A0092B-C50C-407E-A947-70E740481C1C}">
+                <a14:useLocalDpi xmlns:a14="http://schemas.microsoft.com/office/drawing/2010/main" val="0"/>
+              </a:ext>
+            </a:extLst>
+          </a:blip>
+          <a:stretch>
+            <a:fillRect/>
+          </a:stretch>
+        </p:blipFill>
+        <p:spPr>
+          <a:xfrm>
+            <a:off x="4546600" y="989195"/>
+            <a:ext cx="1209008" cy="1000253"/>
+          </a:xfrm>
+          <a:prstGeom prst="rect">
+            <a:avLst/>
+          </a:prstGeom>
+        </p:spPr>
+      </p:pic>
+      <p:pic>
+        <p:nvPicPr>
+          <p:cNvPr id="11" name="图片 10">
+            <a:extLst>
+              <a:ext uri="{FF2B5EF4-FFF2-40B4-BE49-F238E27FC236}">
+                <a16:creationId xmlns:a16="http://schemas.microsoft.com/office/drawing/2014/main" id="{AB7F12D1-8798-45D1-B1E0-78C2E1798943}"/>
+              </a:ext>
+            </a:extLst>
+          </p:cNvPr>
+          <p:cNvPicPr>
+            <a:picLocks noChangeAspect="1"/>
+          </p:cNvPicPr>
+          <p:nvPr/>
+        </p:nvPicPr>
+        <p:blipFill>
+          <a:blip r:embed="rId4" cstate="print">
+            <a:extLst>
+              <a:ext uri="{BEBA8EAE-BF5A-486C-A8C5-ECC9F3942E4B}">
+                <a14:imgProps xmlns:a14="http://schemas.microsoft.com/office/drawing/2010/main">
+                  <a14:imgLayer r:embed="rId5">
+                    <a14:imgEffect>
+                      <a14:brightnessContrast bright="40000" contrast="20000"/>
+                    </a14:imgEffect>
+                  </a14:imgLayer>
+                </a14:imgProps>
+              </a:ext>
+              <a:ext uri="{28A0092B-C50C-407E-A947-70E740481C1C}">
+                <a14:useLocalDpi xmlns:a14="http://schemas.microsoft.com/office/drawing/2010/main" val="0"/>
+              </a:ext>
+            </a:extLst>
+          </a:blip>
+          <a:stretch>
+            <a:fillRect/>
+          </a:stretch>
+        </p:blipFill>
+        <p:spPr>
+          <a:xfrm>
+            <a:off x="6274791" y="1103536"/>
+            <a:ext cx="1879833" cy="703684"/>
+          </a:xfrm>
+          <a:prstGeom prst="rect">
+            <a:avLst/>
+          </a:prstGeom>
+        </p:spPr>
+      </p:pic>
+      <p:pic>
+        <p:nvPicPr>
+          <p:cNvPr id="2" name="图片 1">
+            <a:extLst>
+              <a:ext uri="{FF2B5EF4-FFF2-40B4-BE49-F238E27FC236}">
+                <a16:creationId xmlns:a16="http://schemas.microsoft.com/office/drawing/2014/main" id="{35040E3B-27DD-4BF0-83AF-DC0062A45C91}"/>
+              </a:ext>
+            </a:extLst>
+          </p:cNvPr>
+          <p:cNvPicPr>
+            <a:picLocks noChangeAspect="1"/>
+          </p:cNvPicPr>
+          <p:nvPr/>
+        </p:nvPicPr>
+        <p:blipFill>
+          <a:blip r:embed="rId6"/>
+          <a:stretch>
+            <a:fillRect/>
+          </a:stretch>
+        </p:blipFill>
+        <p:spPr>
+          <a:xfrm>
+            <a:off x="755576" y="3438912"/>
+            <a:ext cx="7431668" cy="2597121"/>
+          </a:xfrm>
+          <a:prstGeom prst="rect">
+            <a:avLst/>
+          </a:prstGeom>
+        </p:spPr>
+      </p:pic>
+    </p:spTree>
+    <p:extLst>
+      <p:ext uri="{BB962C8B-B14F-4D97-AF65-F5344CB8AC3E}">
+        <p14:creationId xmlns:p14="http://schemas.microsoft.com/office/powerpoint/2010/main" val="2342056128"/>
+      </p:ext>
+    </p:extLst>
+  </p:cSld>
+  <p:clrMapOvr>
+    <a:masterClrMapping/>
+  </p:clrMapOvr>
+</p:sld>
+</file>
+
 <file path=ppt/tags/tag1.xml><?xml version="1.0" encoding="utf-8"?>
 <p:tagLst xmlns:a="http://schemas.openxmlformats.org/drawingml/2006/main" xmlns:r="http://schemas.openxmlformats.org/officeDocument/2006/relationships" xmlns:p="http://schemas.openxmlformats.org/presentationml/2006/main">
   <p:tag name="KSO_WM_BEAUTIFY_FLAG" val=""/>

--- a/chipgallery/网站芯片模板.pptx
+++ b/chipgallery/网站芯片模板.pptx
@@ -247,7 +247,7 @@
             <a:fld id="{046C4654-9B54-4388-9789-78668844D9AF}" type="datetimeFigureOut">
               <a:rPr lang="zh-CN" altLang="en-US" smtClean="0"/>
               <a:pPr/>
-              <a:t>2024/8/13</a:t>
+              <a:t>2024/8/27</a:t>
             </a:fld>
             <a:endParaRPr lang="zh-CN" altLang="en-US"/>
           </a:p>
@@ -414,7 +414,7 @@
             <a:fld id="{3108125A-CF0B-4788-AF7E-FCD27F359AF3}" type="datetimeFigureOut">
               <a:rPr lang="en-US" smtClean="0"/>
               <a:pPr/>
-              <a:t>8/13/2024</a:t>
+              <a:t>8/27/2024</a:t>
             </a:fld>
             <a:endParaRPr lang="en-US"/>
           </a:p>
@@ -10464,7 +10464,7 @@
           <p:nvPr>
             <p:extLst>
               <p:ext uri="{D42A27DB-BD31-4B8C-83A1-F6EECF244321}">
-                <p14:modId xmlns:p14="http://schemas.microsoft.com/office/powerpoint/2010/main" val="1597547910"/>
+                <p14:modId xmlns:p14="http://schemas.microsoft.com/office/powerpoint/2010/main" val="2675911698"/>
               </p:ext>
             </p:extLst>
           </p:nvPr>
@@ -11801,7 +11801,7 @@
                             <a:schemeClr val="tx1"/>
                           </a:solidFill>
                         </a:rPr>
-                        <a:t>Under Review</a:t>
+                        <a:t>TCAS-II’24</a:t>
                       </a:r>
                       <a:endParaRPr lang="zh-CN" altLang="en-US" sz="1200" b="1" dirty="0">
                         <a:solidFill>
@@ -12101,10 +12101,10 @@
       </p:pic>
       <p:pic>
         <p:nvPicPr>
-          <p:cNvPr id="2" name="图片 1">
+          <p:cNvPr id="3" name="图片 2">
             <a:extLst>
               <a:ext uri="{FF2B5EF4-FFF2-40B4-BE49-F238E27FC236}">
-                <a16:creationId xmlns:a16="http://schemas.microsoft.com/office/drawing/2014/main" id="{35040E3B-27DD-4BF0-83AF-DC0062A45C91}"/>
+                <a16:creationId xmlns:a16="http://schemas.microsoft.com/office/drawing/2014/main" id="{258F79CD-39FD-4F62-A7E4-0DD3187F891C}"/>
               </a:ext>
             </a:extLst>
           </p:cNvPr>
@@ -12121,7 +12121,7 @@
         </p:blipFill>
         <p:spPr>
           <a:xfrm>
-            <a:off x="755576" y="3438912"/>
+            <a:off x="755576" y="3479921"/>
             <a:ext cx="7431668" cy="2597121"/>
           </a:xfrm>
           <a:prstGeom prst="rect">
